--- a/SE4950/OE CHART LAYOUT_0604_TEAM_1.pptx
+++ b/SE4950/OE CHART LAYOUT_0604_TEAM_1.pptx
@@ -133,7 +133,7 @@
   </p:defaultTextStyle>
   <p:extLst>
     <p:ext uri="{EFAFB233-063F-42B5-8137-9DF3F51BA10A}">
-      <p15:sldGuideLst xmlns:p15="http://schemas.microsoft.com/office/powerpoint/2012/main" xmlns="">
+      <p15:sldGuideLst xmlns="" xmlns:p15="http://schemas.microsoft.com/office/powerpoint/2012/main">
         <p15:guide id="1" orient="horz" pos="2160">
           <p15:clr>
             <a:srgbClr val="A4A3A4"/>
@@ -413,7 +413,7 @@
     </p:spTree>
     <p:extLst>
       <p:ext uri="{BB962C8B-B14F-4D97-AF65-F5344CB8AC3E}">
-        <p14:creationId xmlns:p14="http://schemas.microsoft.com/office/powerpoint/2010/main" val="3003612119"/>
+        <p14:creationId xmlns:p14="http://schemas.microsoft.com/office/powerpoint/2010/main" xmlns="" val="3003612119"/>
       </p:ext>
     </p:extLst>
   </p:cSld>
@@ -590,7 +590,7 @@
     </p:spTree>
     <p:extLst>
       <p:ext uri="{BB962C8B-B14F-4D97-AF65-F5344CB8AC3E}">
-        <p14:creationId xmlns:p14="http://schemas.microsoft.com/office/powerpoint/2010/main" val="3945187017"/>
+        <p14:creationId xmlns:p14="http://schemas.microsoft.com/office/powerpoint/2010/main" xmlns="" val="3945187017"/>
       </p:ext>
     </p:extLst>
   </p:cSld>
@@ -730,7 +730,7 @@
     </p:spTree>
     <p:extLst>
       <p:ext uri="{BB962C8B-B14F-4D97-AF65-F5344CB8AC3E}">
-        <p14:creationId xmlns:p14="http://schemas.microsoft.com/office/powerpoint/2010/main" val="3018141843"/>
+        <p14:creationId xmlns:p14="http://schemas.microsoft.com/office/powerpoint/2010/main" xmlns="" val="3018141843"/>
       </p:ext>
     </p:extLst>
   </p:cSld>
@@ -817,7 +817,7 @@
     </p:spTree>
     <p:extLst>
       <p:ext uri="{BB962C8B-B14F-4D97-AF65-F5344CB8AC3E}">
-        <p14:creationId xmlns:p14="http://schemas.microsoft.com/office/powerpoint/2010/main" val="707428501"/>
+        <p14:creationId xmlns:p14="http://schemas.microsoft.com/office/powerpoint/2010/main" xmlns="" val="707428501"/>
       </p:ext>
     </p:extLst>
   </p:cSld>
@@ -902,7 +902,7 @@
     </p:spTree>
     <p:extLst>
       <p:ext uri="{BB962C8B-B14F-4D97-AF65-F5344CB8AC3E}">
-        <p14:creationId xmlns:p14="http://schemas.microsoft.com/office/powerpoint/2010/main" val="384866381"/>
+        <p14:creationId xmlns:p14="http://schemas.microsoft.com/office/powerpoint/2010/main" xmlns="" val="384866381"/>
       </p:ext>
     </p:extLst>
   </p:cSld>
@@ -987,7 +987,7 @@
     </p:spTree>
     <p:extLst>
       <p:ext uri="{BB962C8B-B14F-4D97-AF65-F5344CB8AC3E}">
-        <p14:creationId xmlns:p14="http://schemas.microsoft.com/office/powerpoint/2010/main" val="384866381"/>
+        <p14:creationId xmlns:p14="http://schemas.microsoft.com/office/powerpoint/2010/main" xmlns="" val="384866381"/>
       </p:ext>
     </p:extLst>
   </p:cSld>
@@ -1072,7 +1072,7 @@
     </p:spTree>
     <p:extLst>
       <p:ext uri="{BB962C8B-B14F-4D97-AF65-F5344CB8AC3E}">
-        <p14:creationId xmlns:p14="http://schemas.microsoft.com/office/powerpoint/2010/main" val="384866381"/>
+        <p14:creationId xmlns:p14="http://schemas.microsoft.com/office/powerpoint/2010/main" xmlns="" val="384866381"/>
       </p:ext>
     </p:extLst>
   </p:cSld>
@@ -1157,7 +1157,7 @@
     </p:spTree>
     <p:extLst>
       <p:ext uri="{BB962C8B-B14F-4D97-AF65-F5344CB8AC3E}">
-        <p14:creationId xmlns:p14="http://schemas.microsoft.com/office/powerpoint/2010/main" val="384866381"/>
+        <p14:creationId xmlns:p14="http://schemas.microsoft.com/office/powerpoint/2010/main" xmlns="" val="384866381"/>
       </p:ext>
     </p:extLst>
   </p:cSld>
@@ -1238,7 +1238,50 @@
             </a:r>
             <a:r>
               <a:rPr lang="en-US" baseline="0" dirty="0" smtClean="0"/>
-              <a:t> capability achieved by released autonomy, committed belonging, and open connectivity.</a:t>
+              <a:t> capability achieved by released autonomy, committed belonging, and open connectivity</a:t>
+            </a:r>
+            <a:r>
+              <a:rPr lang="en-US" baseline="0" dirty="0" smtClean="0"/>
+              <a:t>.</a:t>
+            </a:r>
+          </a:p>
+          <a:p>
+            <a:endParaRPr lang="en-US" baseline="0" dirty="0" smtClean="0"/>
+          </a:p>
+          <a:p>
+            <a:r>
+              <a:rPr lang="en-US" sz="1200" kern="1200" dirty="0" smtClean="0">
+                <a:solidFill>
+                  <a:schemeClr val="tx1"/>
+                </a:solidFill>
+                <a:latin typeface="+mn-lt"/>
+                <a:ea typeface="+mn-ea"/>
+                <a:cs typeface="+mn-cs"/>
+              </a:rPr>
+              <a:t>The current operational energy situation is characterized by an over-reliance on fossil fuels.  This dependence dictates, to a large extent, the terms of distribution.  The distribution of fossil fuels in theater adds significantly to the cost of operational energy and puts warfighters in harm’s way in the process.  We want to shift to a much more diverse operational energy portfolio.</a:t>
+            </a:r>
+          </a:p>
+          <a:p>
+            <a:endParaRPr lang="en-US" sz="1200" kern="1200" dirty="0" smtClean="0">
+              <a:solidFill>
+                <a:schemeClr val="tx1"/>
+              </a:solidFill>
+              <a:latin typeface="+mn-lt"/>
+              <a:ea typeface="+mn-ea"/>
+              <a:cs typeface="+mn-cs"/>
+            </a:endParaRPr>
+          </a:p>
+          <a:p>
+            <a:r>
+              <a:rPr lang="en-US" sz="1200" kern="1200" dirty="0" smtClean="0">
+                <a:solidFill>
+                  <a:schemeClr val="tx1"/>
+                </a:solidFill>
+                <a:latin typeface="+mn-lt"/>
+                <a:ea typeface="+mn-ea"/>
+                <a:cs typeface="+mn-cs"/>
+              </a:rPr>
+              <a:t>By diversifying, we not only reduce the cost of distribution, but we also reduce the risk to operations due to disruption in the supply chain.  By introducing not just other time-tested energy sources, but also new, emerging, and renewable sources, we eliminate a key vulnerability.  With no single point of failure for operational energy, warfighter functions can continue to be largely supported even under austere or adverse conditions.</a:t>
             </a:r>
             <a:endParaRPr lang="en-US" dirty="0"/>
           </a:p>
@@ -1271,7 +1314,7 @@
     </p:spTree>
     <p:extLst>
       <p:ext uri="{BB962C8B-B14F-4D97-AF65-F5344CB8AC3E}">
-        <p14:creationId xmlns:p14="http://schemas.microsoft.com/office/powerpoint/2010/main" val="384866381"/>
+        <p14:creationId xmlns:p14="http://schemas.microsoft.com/office/powerpoint/2010/main" xmlns="" val="384866381"/>
       </p:ext>
     </p:extLst>
   </p:cSld>
@@ -1344,11 +1387,72 @@
             </a:r>
             <a:r>
               <a:rPr lang="en-US" baseline="0" dirty="0" smtClean="0"/>
-              <a:t>: enhanced by deliberately not being foreseen, though its crucial importance is, and by creating an emergence capability climate, that will support early detection and elimination of </a:t>
-            </a:r>
-            <a:r>
-              <a:rPr lang="en-US" baseline="0" smtClean="0"/>
-              <a:t>bad behaviors.</a:t>
+              <a:t>: enhanced by deliberately not being foreseen, though its crucial importance is, and by creating an emergence capability climate, that will support early detection and elimination of bad behaviors</a:t>
+            </a:r>
+            <a:r>
+              <a:rPr lang="en-US" baseline="0" dirty="0" smtClean="0"/>
+              <a:t>.</a:t>
+            </a:r>
+          </a:p>
+          <a:p>
+            <a:endParaRPr lang="en-US" baseline="0" dirty="0" smtClean="0"/>
+          </a:p>
+          <a:p>
+            <a:r>
+              <a:rPr lang="en-US" sz="1200" kern="1200" dirty="0" smtClean="0">
+                <a:solidFill>
+                  <a:schemeClr val="tx1"/>
+                </a:solidFill>
+                <a:latin typeface="+mn-lt"/>
+                <a:ea typeface="+mn-ea"/>
+                <a:cs typeface="+mn-cs"/>
+              </a:rPr>
+              <a:t>The operational energy distribution system is assessed to be highly indeterminable upon concluding the literature review.  One reason for this is the volatility associated with the energy markets affecting future growth in price.  It is difficult to project the direction of energy price given that the </a:t>
+            </a:r>
+            <a:r>
+              <a:rPr lang="en-US" sz="1200" kern="1200" dirty="0" err="1" smtClean="0">
+                <a:solidFill>
+                  <a:schemeClr val="tx1"/>
+                </a:solidFill>
+                <a:latin typeface="+mn-lt"/>
+                <a:ea typeface="+mn-ea"/>
+                <a:cs typeface="+mn-cs"/>
+              </a:rPr>
+              <a:t>DoD’s</a:t>
+            </a:r>
+            <a:r>
+              <a:rPr lang="en-US" sz="1200" kern="1200" dirty="0" smtClean="0">
+                <a:solidFill>
+                  <a:schemeClr val="tx1"/>
+                </a:solidFill>
+                <a:latin typeface="+mn-lt"/>
+                <a:ea typeface="+mn-ea"/>
+                <a:cs typeface="+mn-cs"/>
+              </a:rPr>
+              <a:t> demand may move in either direction going forward based on the potential conflicts (or relative lack of or reduction in conflicts) in the future.  As noted in the Operational Energy Strategy: Energy for the Warfighter source document, the types of operations to be undertaken are unknown but a subject for many planning activities.  Guidance exists to influence that planning to consider the energy stability and security for future operations.  That is still a difficult forecasting task when the amount of future local supply and local power generation capabilities are undetermined, and the security of local supply is weighed as a risk. Even the amount of and types of future domestic energy source extraction and production are not known.  As pointed out in the HASC statement made by the Assistant Secretary of the Army for Installations, Energy, and Environment – numerous investments are being made in science and technology toward energy efficiency, and renewable energy.  Some early trials are proving successful, but there is uncertainty in knowing which new technologies within the portfolio will succeed in being deployed widely.  The candidate technologies that succeed will determine the necessary interfaces between the constituent systems and platforms and the type of new infrastructure and infrastructure modifications that will be required to support the revised, more efficient operational energy distribution system of systems in the future.</a:t>
+            </a:r>
+          </a:p>
+          <a:p>
+            <a:endParaRPr lang="en-US" sz="1200" kern="1200" dirty="0" smtClean="0">
+              <a:solidFill>
+                <a:schemeClr val="tx1"/>
+              </a:solidFill>
+              <a:latin typeface="+mn-lt"/>
+              <a:ea typeface="+mn-ea"/>
+              <a:cs typeface="+mn-cs"/>
+            </a:endParaRPr>
+          </a:p>
+          <a:p>
+            <a:r>
+              <a:rPr lang="en-US" sz="1200" kern="1200" dirty="0" smtClean="0">
+                <a:solidFill>
+                  <a:schemeClr val="tx1"/>
+                </a:solidFill>
+                <a:latin typeface="+mn-lt"/>
+                <a:ea typeface="+mn-ea"/>
+                <a:cs typeface="+mn-cs"/>
+              </a:rPr>
+              <a:t>There are also some foreseen emergence properties, determined by future limitations on budget narrowing the possible future technologies that investment will be directed toward.  Furthermore, efforts are underway to steer operational energy governance toward a more centralized approach.  Among them is the establishment of an Assistant Secretary of Defense for Operational Energy Strategy for the DoD, and the Joint Operational Energy Initiative (JOEI) led by PEO Combat Systems and Combat Systems Support (PEO CS&amp;CSS) and the Tank Automotive Research, Development and Engineering Center (TARDEC).</a:t>
             </a:r>
             <a:endParaRPr lang="en-US" dirty="0"/>
           </a:p>
@@ -1381,7 +1485,7 @@
     </p:spTree>
     <p:extLst>
       <p:ext uri="{BB962C8B-B14F-4D97-AF65-F5344CB8AC3E}">
-        <p14:creationId xmlns:p14="http://schemas.microsoft.com/office/powerpoint/2010/main" val="384866381"/>
+        <p14:creationId xmlns:p14="http://schemas.microsoft.com/office/powerpoint/2010/main" xmlns="" val="384866381"/>
       </p:ext>
     </p:extLst>
   </p:cSld>
@@ -1478,7 +1582,7 @@
     </p:spTree>
     <p:extLst>
       <p:ext uri="{BB962C8B-B14F-4D97-AF65-F5344CB8AC3E}">
-        <p14:creationId xmlns:p14="http://schemas.microsoft.com/office/powerpoint/2010/main" val="583177568"/>
+        <p14:creationId xmlns:p14="http://schemas.microsoft.com/office/powerpoint/2010/main" xmlns="" val="583177568"/>
       </p:ext>
     </p:extLst>
   </p:cSld>
@@ -1588,6 +1692,7 @@
           <a:p>
             <a:fld id="{94A5E784-7138-41E5-A731-7D3699C191E4}" type="slidenum">
               <a:rPr lang="en-US" smtClean="0"/>
+              <a:pPr/>
               <a:t>4</a:t>
             </a:fld>
             <a:endParaRPr lang="en-US"/>
@@ -1900,7 +2005,7 @@
     </p:spTree>
     <p:extLst>
       <p:ext uri="{BB962C8B-B14F-4D97-AF65-F5344CB8AC3E}">
-        <p14:creationId xmlns:p14="http://schemas.microsoft.com/office/powerpoint/2010/main" val="3324372719"/>
+        <p14:creationId xmlns:p14="http://schemas.microsoft.com/office/powerpoint/2010/main" xmlns="" val="3324372719"/>
       </p:ext>
     </p:extLst>
   </p:cSld>
@@ -2163,7 +2268,7 @@
     </p:spTree>
     <p:extLst>
       <p:ext uri="{BB962C8B-B14F-4D97-AF65-F5344CB8AC3E}">
-        <p14:creationId xmlns:p14="http://schemas.microsoft.com/office/powerpoint/2010/main" val="1484068155"/>
+        <p14:creationId xmlns:p14="http://schemas.microsoft.com/office/powerpoint/2010/main" xmlns="" val="1484068155"/>
       </p:ext>
     </p:extLst>
   </p:cSld>
@@ -2248,7 +2353,7 @@
     </p:spTree>
     <p:extLst>
       <p:ext uri="{BB962C8B-B14F-4D97-AF65-F5344CB8AC3E}">
-        <p14:creationId xmlns:p14="http://schemas.microsoft.com/office/powerpoint/2010/main" val="3018141843"/>
+        <p14:creationId xmlns:p14="http://schemas.microsoft.com/office/powerpoint/2010/main" xmlns="" val="3018141843"/>
       </p:ext>
     </p:extLst>
   </p:cSld>
@@ -2333,7 +2438,7 @@
     </p:spTree>
     <p:extLst>
       <p:ext uri="{BB962C8B-B14F-4D97-AF65-F5344CB8AC3E}">
-        <p14:creationId xmlns:p14="http://schemas.microsoft.com/office/powerpoint/2010/main" val="3018141843"/>
+        <p14:creationId xmlns:p14="http://schemas.microsoft.com/office/powerpoint/2010/main" xmlns="" val="3018141843"/>
       </p:ext>
     </p:extLst>
   </p:cSld>
@@ -2430,7 +2535,7 @@
     </p:spTree>
     <p:extLst>
       <p:ext uri="{BB962C8B-B14F-4D97-AF65-F5344CB8AC3E}">
-        <p14:creationId xmlns:p14="http://schemas.microsoft.com/office/powerpoint/2010/main" val="3018141843"/>
+        <p14:creationId xmlns:p14="http://schemas.microsoft.com/office/powerpoint/2010/main" xmlns="" val="3018141843"/>
       </p:ext>
     </p:extLst>
   </p:cSld>
@@ -2515,7 +2620,7 @@
     </p:spTree>
     <p:extLst>
       <p:ext uri="{BB962C8B-B14F-4D97-AF65-F5344CB8AC3E}">
-        <p14:creationId xmlns:p14="http://schemas.microsoft.com/office/powerpoint/2010/main" val="3018141843"/>
+        <p14:creationId xmlns:p14="http://schemas.microsoft.com/office/powerpoint/2010/main" xmlns="" val="3018141843"/>
       </p:ext>
     </p:extLst>
   </p:cSld>
@@ -2600,7 +2705,7 @@
     </p:spTree>
     <p:extLst>
       <p:ext uri="{BB962C8B-B14F-4D97-AF65-F5344CB8AC3E}">
-        <p14:creationId xmlns:p14="http://schemas.microsoft.com/office/powerpoint/2010/main" val="3018141843"/>
+        <p14:creationId xmlns:p14="http://schemas.microsoft.com/office/powerpoint/2010/main" xmlns="" val="3018141843"/>
       </p:ext>
     </p:extLst>
   </p:cSld>
@@ -10225,7 +10330,7 @@
           <a:blip r:embed="rId5" cstate="print">
             <a:extLst>
               <a:ext uri="{28A0092B-C50C-407E-A947-70E740481C1C}">
-                <a14:useLocalDpi xmlns:a14="http://schemas.microsoft.com/office/drawing/2010/main" val="0"/>
+                <a14:useLocalDpi xmlns:a14="http://schemas.microsoft.com/office/drawing/2010/main" xmlns="" val="0"/>
               </a:ext>
             </a:extLst>
           </a:blip>
@@ -10245,7 +10350,7 @@
           <a:noFill/>
           <a:extLst>
             <a:ext uri="{909E8E84-426E-40DD-AFC4-6F175D3DCCD1}">
-              <a14:hiddenFill xmlns:a14="http://schemas.microsoft.com/office/drawing/2010/main">
+              <a14:hiddenFill xmlns:a14="http://schemas.microsoft.com/office/drawing/2010/main" xmlns="">
                 <a:solidFill>
                   <a:srgbClr val="FFFFFF"/>
                 </a:solidFill>
@@ -10426,7 +10531,7 @@
     </p:spTree>
     <p:extLst>
       <p:ext uri="{BB962C8B-B14F-4D97-AF65-F5344CB8AC3E}">
-        <p14:creationId xmlns:p14="http://schemas.microsoft.com/office/powerpoint/2010/main" val="2495902101"/>
+        <p14:creationId xmlns:p14="http://schemas.microsoft.com/office/powerpoint/2010/main" xmlns="" val="2495902101"/>
       </p:ext>
     </p:extLst>
   </p:cSld>
@@ -10616,7 +10721,7 @@
     </p:spTree>
     <p:extLst>
       <p:ext uri="{BB962C8B-B14F-4D97-AF65-F5344CB8AC3E}">
-        <p14:creationId xmlns:p14="http://schemas.microsoft.com/office/powerpoint/2010/main" val="1715251495"/>
+        <p14:creationId xmlns:p14="http://schemas.microsoft.com/office/powerpoint/2010/main" xmlns="" val="1715251495"/>
       </p:ext>
     </p:extLst>
   </p:cSld>
@@ -10790,7 +10895,7 @@
     </p:spTree>
     <p:extLst>
       <p:ext uri="{BB962C8B-B14F-4D97-AF65-F5344CB8AC3E}">
-        <p14:creationId xmlns:p14="http://schemas.microsoft.com/office/powerpoint/2010/main" val="3657348428"/>
+        <p14:creationId xmlns:p14="http://schemas.microsoft.com/office/powerpoint/2010/main" xmlns="" val="3657348428"/>
       </p:ext>
     </p:extLst>
   </p:cSld>
@@ -10987,7 +11092,7 @@
     </p:spTree>
     <p:extLst>
       <p:ext uri="{BB962C8B-B14F-4D97-AF65-F5344CB8AC3E}">
-        <p14:creationId xmlns:p14="http://schemas.microsoft.com/office/powerpoint/2010/main" val="2918064316"/>
+        <p14:creationId xmlns:p14="http://schemas.microsoft.com/office/powerpoint/2010/main" xmlns="" val="2918064316"/>
       </p:ext>
     </p:extLst>
   </p:cSld>
@@ -11025,7 +11130,7 @@
           </p:nvPr>
         </p:nvPicPr>
         <p:blipFill>
-          <a:blip r:embed="rId2"/>
+          <a:blip r:embed="rId2" cstate="print"/>
           <a:srcRect l="1156" r="1156"/>
           <a:stretch>
             <a:fillRect/>
@@ -11147,7 +11252,7 @@
     </p:spTree>
     <p:extLst>
       <p:ext uri="{BB962C8B-B14F-4D97-AF65-F5344CB8AC3E}">
-        <p14:creationId xmlns:p14="http://schemas.microsoft.com/office/powerpoint/2010/main" val="3869052659"/>
+        <p14:creationId xmlns:p14="http://schemas.microsoft.com/office/powerpoint/2010/main" xmlns="" val="3869052659"/>
       </p:ext>
     </p:extLst>
   </p:cSld>
@@ -11322,7 +11427,7 @@
     </p:spTree>
     <p:extLst>
       <p:ext uri="{BB962C8B-B14F-4D97-AF65-F5344CB8AC3E}">
-        <p14:creationId xmlns:p14="http://schemas.microsoft.com/office/powerpoint/2010/main" val="2316947593"/>
+        <p14:creationId xmlns:p14="http://schemas.microsoft.com/office/powerpoint/2010/main" xmlns="" val="2316947593"/>
       </p:ext>
     </p:extLst>
   </p:cSld>
@@ -11427,15 +11532,7 @@
             </a:r>
             <a:r>
               <a:rPr lang="en-US" dirty="0" smtClean="0"/>
-              <a:t>”, responsible for performing the individual </a:t>
-            </a:r>
-            <a:r>
-              <a:rPr lang="en-US" dirty="0" smtClean="0"/>
-              <a:t>evaluations </a:t>
-            </a:r>
-            <a:r>
-              <a:rPr lang="en-US" dirty="0" smtClean="0"/>
-              <a:t>and assessment within their given domain to provide recommendations to </a:t>
+              <a:t>”, responsible for performing the individual evaluations and assessment within their given domain to provide recommendations to </a:t>
             </a:r>
             <a:r>
               <a:rPr lang="en-US" dirty="0" err="1" smtClean="0"/>
@@ -11518,7 +11615,7 @@
     </p:spTree>
     <p:extLst>
       <p:ext uri="{BB962C8B-B14F-4D97-AF65-F5344CB8AC3E}">
-        <p14:creationId xmlns:p14="http://schemas.microsoft.com/office/powerpoint/2010/main" val="1160766439"/>
+        <p14:creationId xmlns:p14="http://schemas.microsoft.com/office/powerpoint/2010/main" xmlns="" val="1160766439"/>
       </p:ext>
     </p:extLst>
   </p:cSld>
@@ -11667,7 +11764,7 @@
     </p:spTree>
     <p:extLst>
       <p:ext uri="{BB962C8B-B14F-4D97-AF65-F5344CB8AC3E}">
-        <p14:creationId xmlns:p14="http://schemas.microsoft.com/office/powerpoint/2010/main" val="3452015059"/>
+        <p14:creationId xmlns:p14="http://schemas.microsoft.com/office/powerpoint/2010/main" xmlns="" val="3452015059"/>
       </p:ext>
     </p:extLst>
   </p:cSld>
@@ -11772,7 +11869,7 @@
     </p:spTree>
     <p:extLst>
       <p:ext uri="{BB962C8B-B14F-4D97-AF65-F5344CB8AC3E}">
-        <p14:creationId xmlns:p14="http://schemas.microsoft.com/office/powerpoint/2010/main" val="1541760986"/>
+        <p14:creationId xmlns:p14="http://schemas.microsoft.com/office/powerpoint/2010/main" xmlns="" val="1541760986"/>
       </p:ext>
     </p:extLst>
   </p:cSld>
@@ -12819,7 +12916,7 @@
     </p:spTree>
     <p:extLst>
       <p:ext uri="{BB962C8B-B14F-4D97-AF65-F5344CB8AC3E}">
-        <p14:creationId xmlns:p14="http://schemas.microsoft.com/office/powerpoint/2010/main" val="3455764166"/>
+        <p14:creationId xmlns:p14="http://schemas.microsoft.com/office/powerpoint/2010/main" xmlns="" val="3455764166"/>
       </p:ext>
     </p:extLst>
   </p:cSld>
@@ -13386,7 +13483,7 @@
     </p:spTree>
     <p:extLst>
       <p:ext uri="{BB962C8B-B14F-4D97-AF65-F5344CB8AC3E}">
-        <p14:creationId xmlns:p14="http://schemas.microsoft.com/office/powerpoint/2010/main" val="3371877515"/>
+        <p14:creationId xmlns:p14="http://schemas.microsoft.com/office/powerpoint/2010/main" xmlns="" val="3371877515"/>
       </p:ext>
     </p:extLst>
   </p:cSld>
@@ -13818,7 +13915,7 @@
     </p:spTree>
     <p:extLst>
       <p:ext uri="{BB962C8B-B14F-4D97-AF65-F5344CB8AC3E}">
-        <p14:creationId xmlns:p14="http://schemas.microsoft.com/office/powerpoint/2010/main" val="2992505643"/>
+        <p14:creationId xmlns:p14="http://schemas.microsoft.com/office/powerpoint/2010/main" xmlns="" val="2992505643"/>
       </p:ext>
     </p:extLst>
   </p:cSld>
@@ -14238,7 +14335,7 @@
     </p:spTree>
     <p:extLst>
       <p:ext uri="{BB962C8B-B14F-4D97-AF65-F5344CB8AC3E}">
-        <p14:creationId xmlns:p14="http://schemas.microsoft.com/office/powerpoint/2010/main" val="721536401"/>
+        <p14:creationId xmlns:p14="http://schemas.microsoft.com/office/powerpoint/2010/main" xmlns="" val="721536401"/>
       </p:ext>
     </p:extLst>
   </p:cSld>
@@ -14605,7 +14702,7 @@
     </p:spTree>
     <p:extLst>
       <p:ext uri="{BB962C8B-B14F-4D97-AF65-F5344CB8AC3E}">
-        <p14:creationId xmlns:p14="http://schemas.microsoft.com/office/powerpoint/2010/main" val="909511525"/>
+        <p14:creationId xmlns:p14="http://schemas.microsoft.com/office/powerpoint/2010/main" xmlns="" val="909511525"/>
       </p:ext>
     </p:extLst>
   </p:cSld>
@@ -14964,7 +15061,7 @@
     </p:spTree>
     <p:extLst>
       <p:ext uri="{BB962C8B-B14F-4D97-AF65-F5344CB8AC3E}">
-        <p14:creationId xmlns:p14="http://schemas.microsoft.com/office/powerpoint/2010/main" val="4154234685"/>
+        <p14:creationId xmlns:p14="http://schemas.microsoft.com/office/powerpoint/2010/main" xmlns="" val="4154234685"/>
       </p:ext>
     </p:extLst>
   </p:cSld>
@@ -15145,7 +15242,7 @@
     </p:spTree>
     <p:extLst>
       <p:ext uri="{BB962C8B-B14F-4D97-AF65-F5344CB8AC3E}">
-        <p14:creationId xmlns:p14="http://schemas.microsoft.com/office/powerpoint/2010/main" val="2620101909"/>
+        <p14:creationId xmlns:p14="http://schemas.microsoft.com/office/powerpoint/2010/main" xmlns="" val="2620101909"/>
       </p:ext>
     </p:extLst>
   </p:cSld>
@@ -15606,7 +15703,7 @@
     </p:spTree>
     <p:extLst>
       <p:ext uri="{BB962C8B-B14F-4D97-AF65-F5344CB8AC3E}">
-        <p14:creationId xmlns:p14="http://schemas.microsoft.com/office/powerpoint/2010/main" val="2599103760"/>
+        <p14:creationId xmlns:p14="http://schemas.microsoft.com/office/powerpoint/2010/main" xmlns="" val="2599103760"/>
       </p:ext>
     </p:extLst>
   </p:cSld>
@@ -15709,7 +15806,7 @@
     </p:spTree>
     <p:extLst>
       <p:ext uri="{BB962C8B-B14F-4D97-AF65-F5344CB8AC3E}">
-        <p14:creationId xmlns:p14="http://schemas.microsoft.com/office/powerpoint/2010/main" val="3783017461"/>
+        <p14:creationId xmlns:p14="http://schemas.microsoft.com/office/powerpoint/2010/main" xmlns="" val="3783017461"/>
       </p:ext>
     </p:extLst>
   </p:cSld>
@@ -15858,7 +15955,7 @@
     </p:spTree>
     <p:extLst>
       <p:ext uri="{BB962C8B-B14F-4D97-AF65-F5344CB8AC3E}">
-        <p14:creationId xmlns:p14="http://schemas.microsoft.com/office/powerpoint/2010/main" val="2687723903"/>
+        <p14:creationId xmlns:p14="http://schemas.microsoft.com/office/powerpoint/2010/main" xmlns="" val="2687723903"/>
       </p:ext>
     </p:extLst>
   </p:cSld>
@@ -15962,7 +16059,7 @@
     </p:spTree>
     <p:extLst>
       <p:ext uri="{BB962C8B-B14F-4D97-AF65-F5344CB8AC3E}">
-        <p14:creationId xmlns:p14="http://schemas.microsoft.com/office/powerpoint/2010/main" val="3677201703"/>
+        <p14:creationId xmlns:p14="http://schemas.microsoft.com/office/powerpoint/2010/main" xmlns="" val="3677201703"/>
       </p:ext>
     </p:extLst>
   </p:cSld>
@@ -16156,7 +16253,7 @@
     </p:spTree>
     <p:extLst>
       <p:ext uri="{BB962C8B-B14F-4D97-AF65-F5344CB8AC3E}">
-        <p14:creationId xmlns:p14="http://schemas.microsoft.com/office/powerpoint/2010/main" val="503478686"/>
+        <p14:creationId xmlns:p14="http://schemas.microsoft.com/office/powerpoint/2010/main" xmlns="" val="503478686"/>
       </p:ext>
     </p:extLst>
   </p:cSld>
